--- a/project_01/docs/Bunchatheravate_ENGI301_project_01_proposal_with_software_block_diagram.pptx
+++ b/project_01/docs/Bunchatheravate_ENGI301_project_01_proposal_with_software_block_diagram.pptx
@@ -19070,19 +19070,19 @@
           <a:prstGeom prst="bentConnector2">
             <a:avLst/>
           </a:prstGeom>
-          <a:ln>
+          <a:ln w="19050">
             <a:tailEnd type="triangle"/>
           </a:ln>
         </p:spPr>
         <p:style>
           <a:lnRef idx="1">
-            <a:schemeClr val="dk1"/>
+            <a:schemeClr val="accent3"/>
           </a:lnRef>
           <a:fillRef idx="0">
-            <a:schemeClr val="dk1"/>
+            <a:schemeClr val="accent3"/>
           </a:fillRef>
           <a:effectRef idx="0">
-            <a:schemeClr val="dk1"/>
+            <a:schemeClr val="accent3"/>
           </a:effectRef>
           <a:fontRef idx="minor">
             <a:schemeClr val="tx1"/>
@@ -19669,19 +19669,19 @@
               <a:gd name="adj2" fmla="val 108682"/>
             </a:avLst>
           </a:prstGeom>
-          <a:ln>
+          <a:ln w="19050">
             <a:tailEnd type="triangle"/>
           </a:ln>
         </p:spPr>
         <p:style>
           <a:lnRef idx="1">
-            <a:schemeClr val="dk1"/>
+            <a:schemeClr val="accent3"/>
           </a:lnRef>
           <a:fillRef idx="0">
-            <a:schemeClr val="dk1"/>
+            <a:schemeClr val="accent3"/>
           </a:fillRef>
           <a:effectRef idx="0">
-            <a:schemeClr val="dk1"/>
+            <a:schemeClr val="accent3"/>
           </a:effectRef>
           <a:fontRef idx="minor">
             <a:schemeClr val="tx1"/>
@@ -19710,19 +19710,19 @@
           <a:prstGeom prst="straightConnector1">
             <a:avLst/>
           </a:prstGeom>
-          <a:ln>
+          <a:ln w="19050">
             <a:tailEnd type="triangle"/>
           </a:ln>
         </p:spPr>
         <p:style>
           <a:lnRef idx="1">
-            <a:schemeClr val="dk1"/>
+            <a:schemeClr val="accent3"/>
           </a:lnRef>
           <a:fillRef idx="0">
-            <a:schemeClr val="dk1"/>
+            <a:schemeClr val="accent3"/>
           </a:fillRef>
           <a:effectRef idx="0">
-            <a:schemeClr val="dk1"/>
+            <a:schemeClr val="accent3"/>
           </a:effectRef>
           <a:fontRef idx="minor">
             <a:schemeClr val="tx1"/>
@@ -19888,19 +19888,19 @@
           <a:prstGeom prst="straightConnector1">
             <a:avLst/>
           </a:prstGeom>
-          <a:ln>
+          <a:ln w="19050">
             <a:tailEnd type="triangle"/>
           </a:ln>
         </p:spPr>
         <p:style>
           <a:lnRef idx="1">
-            <a:schemeClr val="dk1"/>
+            <a:schemeClr val="accent3"/>
           </a:lnRef>
           <a:fillRef idx="0">
-            <a:schemeClr val="dk1"/>
+            <a:schemeClr val="accent3"/>
           </a:fillRef>
           <a:effectRef idx="0">
-            <a:schemeClr val="dk1"/>
+            <a:schemeClr val="accent3"/>
           </a:effectRef>
           <a:fontRef idx="minor">
             <a:schemeClr val="tx1"/>
@@ -20212,19 +20212,19 @@
               <a:gd name="adj2" fmla="val 55708"/>
             </a:avLst>
           </a:prstGeom>
-          <a:ln>
+          <a:ln w="19050">
             <a:tailEnd type="triangle"/>
           </a:ln>
         </p:spPr>
         <p:style>
           <a:lnRef idx="1">
-            <a:schemeClr val="dk1"/>
+            <a:schemeClr val="accent3"/>
           </a:lnRef>
           <a:fillRef idx="0">
-            <a:schemeClr val="dk1"/>
+            <a:schemeClr val="accent3"/>
           </a:fillRef>
           <a:effectRef idx="0">
-            <a:schemeClr val="dk1"/>
+            <a:schemeClr val="accent3"/>
           </a:effectRef>
           <a:fontRef idx="minor">
             <a:schemeClr val="tx1"/>

--- a/project_01/docs/Bunchatheravate_ENGI301_project_01_proposal_with_software_block_diagram.pptx
+++ b/project_01/docs/Bunchatheravate_ENGI301_project_01_proposal_with_software_block_diagram.pptx
@@ -20682,7 +20682,7 @@
           <a:p>
             <a:r>
               <a:rPr lang="en-US" sz="1500" b="1" dirty="0"/>
-              <a:t>Song File Class</a:t>
+              <a:t>Main Program</a:t>
             </a:r>
           </a:p>
         </p:txBody>

--- a/project_01/docs/Bunchatheravate_ENGI301_project_01_proposal_with_software_block_diagram.pptx
+++ b/project_01/docs/Bunchatheravate_ENGI301_project_01_proposal_with_software_block_diagram.pptx
@@ -222,7 +222,7 @@
           <a:p>
             <a:fld id="{59041DB8-B66F-4DC8-A96E-33677E0F90FF}" type="datetimeFigureOut">
               <a:rPr lang="en-US" smtClean="0"/>
-              <a:t>3/7/2024</a:t>
+              <a:t>4/28/2024</a:t>
             </a:fld>
             <a:endParaRPr lang="en-US"/>
           </a:p>
@@ -387,7 +387,7 @@
           <a:p>
             <a:fld id="{DEB49C4A-65AC-492D-9701-81B46C3AD0E4}" type="datetimeFigureOut">
               <a:rPr lang="en-US" smtClean="0"/>
-              <a:t>3/7/2024</a:t>
+              <a:t>4/28/2024</a:t>
             </a:fld>
             <a:endParaRPr lang="en-US"/>
           </a:p>
@@ -2895,7 +2895,7 @@
           <a:p>
             <a:fld id="{384A29A4-78C8-47AB-BA06-22CB45938951}" type="datetime1">
               <a:rPr lang="en-US" smtClean="0"/>
-              <a:t>3/7/2024</a:t>
+              <a:t>4/28/2024</a:t>
             </a:fld>
             <a:endParaRPr lang="en-US"/>
           </a:p>
@@ -3090,7 +3090,7 @@
           <a:p>
             <a:fld id="{E1ED4ACF-2D82-46F2-A8E9-23963AA34E86}" type="datetime1">
               <a:rPr lang="en-US" smtClean="0"/>
-              <a:t>3/7/2024</a:t>
+              <a:t>4/28/2024</a:t>
             </a:fld>
             <a:endParaRPr lang="en-US"/>
           </a:p>
@@ -3284,7 +3284,7 @@
           <a:p>
             <a:fld id="{AE374B5B-21A0-4192-BF4C-38187F1A68D8}" type="datetime1">
               <a:rPr lang="en-US" smtClean="0"/>
-              <a:t>3/7/2024</a:t>
+              <a:t>4/28/2024</a:t>
             </a:fld>
             <a:endParaRPr lang="en-US"/>
           </a:p>
@@ -5625,7 +5625,7 @@
           <a:p>
             <a:fld id="{33B5CF7C-B333-48E1-A4A6-83A3C8B73AC0}" type="datetime1">
               <a:rPr lang="en-US" smtClean="0"/>
-              <a:t>3/7/2024</a:t>
+              <a:t>4/28/2024</a:t>
             </a:fld>
             <a:endParaRPr lang="en-US"/>
           </a:p>
@@ -6078,7 +6078,7 @@
           <a:p>
             <a:fld id="{AE320762-5CBF-4210-AB54-376B091119F8}" type="datetime1">
               <a:rPr lang="en-US" smtClean="0"/>
-              <a:t>3/7/2024</a:t>
+              <a:t>4/28/2024</a:t>
             </a:fld>
             <a:endParaRPr lang="en-US"/>
           </a:p>
@@ -6210,7 +6210,7 @@
           <a:p>
             <a:fld id="{7F0DB371-BF5F-4058-A212-1A908E4D2674}" type="datetime1">
               <a:rPr lang="en-US" smtClean="0"/>
-              <a:t>3/7/2024</a:t>
+              <a:t>4/28/2024</a:t>
             </a:fld>
             <a:endParaRPr lang="en-US"/>
           </a:p>
@@ -8143,7 +8143,7 @@
           <a:p>
             <a:fld id="{60A4083B-90AA-48CF-BAD5-00AA24D7F288}" type="datetime1">
               <a:rPr lang="en-US" smtClean="0"/>
-              <a:t>3/7/2024</a:t>
+              <a:t>4/28/2024</a:t>
             </a:fld>
             <a:endParaRPr lang="en-US"/>
           </a:p>
@@ -10402,7 +10402,7 @@
             <a:fld id="{F5BAF629-ECA2-4CF3-B790-9D9BDED98269}" type="datetime1">
               <a:rPr lang="en-US" smtClean="0"/>
               <a:pPr/>
-              <a:t>3/7/2024</a:t>
+              <a:t>4/28/2024</a:t>
             </a:fld>
             <a:endParaRPr lang="en-US"/>
           </a:p>
@@ -14697,7 +14697,7 @@
             <a:fld id="{B51B2453-8663-4C69-AF73-9FD7B1DEC5D0}" type="datetime1">
               <a:rPr lang="en-US" smtClean="0"/>
               <a:pPr/>
-              <a:t>3/7/2024</a:t>
+              <a:t>4/28/2024</a:t>
             </a:fld>
             <a:endParaRPr lang="en-US" dirty="0"/>
           </a:p>
@@ -16072,7 +16072,7 @@
             <a:pPr algn="ctr"/>
             <a:r>
               <a:rPr lang="en-US" sz="700" dirty="0"/>
-              <a:t>on/off</a:t>
+              <a:t>Play/pause</a:t>
             </a:r>
           </a:p>
         </p:txBody>
@@ -16121,7 +16121,7 @@
             <a:pPr algn="ctr"/>
             <a:r>
               <a:rPr lang="en-US" sz="700" dirty="0"/>
-              <a:t>volume up</a:t>
+              <a:t>Next song</a:t>
             </a:r>
           </a:p>
         </p:txBody>
@@ -16170,7 +16170,7 @@
             <a:pPr algn="ctr"/>
             <a:r>
               <a:rPr lang="en-US" sz="700" dirty="0"/>
-              <a:t>volume down</a:t>
+              <a:t>Previous Song</a:t>
             </a:r>
           </a:p>
         </p:txBody>
@@ -16219,105 +16219,7 @@
             <a:pPr algn="ctr"/>
             <a:r>
               <a:rPr lang="en-US" sz="700" dirty="0"/>
-              <a:t>play/pause/skip/replay</a:t>
-            </a:r>
-          </a:p>
-        </p:txBody>
-      </p:sp>
-      <p:sp>
-        <p:nvSpPr>
-          <p:cNvPr id="30" name="Rectangle: Rounded Corners 29">
-            <a:extLst>
-              <a:ext uri="{FF2B5EF4-FFF2-40B4-BE49-F238E27FC236}">
-                <a16:creationId xmlns:a16="http://schemas.microsoft.com/office/drawing/2014/main" id="{CCE713E1-A96B-339D-D1C9-6AE02EFB1854}"/>
-              </a:ext>
-            </a:extLst>
-          </p:cNvPr>
-          <p:cNvSpPr/>
-          <p:nvPr/>
-        </p:nvSpPr>
-        <p:spPr>
-          <a:xfrm>
-            <a:off x="8153400" y="2966106"/>
-            <a:ext cx="1104900" cy="274451"/>
-          </a:xfrm>
-          <a:prstGeom prst="roundRect">
-            <a:avLst/>
-          </a:prstGeom>
-        </p:spPr>
-        <p:style>
-          <a:lnRef idx="2">
-            <a:schemeClr val="accent1">
-              <a:shade val="15000"/>
-            </a:schemeClr>
-          </a:lnRef>
-          <a:fillRef idx="1">
-            <a:schemeClr val="accent1"/>
-          </a:fillRef>
-          <a:effectRef idx="0">
-            <a:schemeClr val="accent1"/>
-          </a:effectRef>
-          <a:fontRef idx="minor">
-            <a:schemeClr val="lt1"/>
-          </a:fontRef>
-        </p:style>
-        <p:txBody>
-          <a:bodyPr rtlCol="0" anchor="ctr"/>
-          <a:lstStyle/>
-          <a:p>
-            <a:pPr algn="ctr"/>
-            <a:r>
-              <a:rPr lang="en-US" sz="700" dirty="0"/>
-              <a:t>custom 1</a:t>
-            </a:r>
-          </a:p>
-        </p:txBody>
-      </p:sp>
-      <p:sp>
-        <p:nvSpPr>
-          <p:cNvPr id="31" name="Rectangle: Rounded Corners 30">
-            <a:extLst>
-              <a:ext uri="{FF2B5EF4-FFF2-40B4-BE49-F238E27FC236}">
-                <a16:creationId xmlns:a16="http://schemas.microsoft.com/office/drawing/2014/main" id="{B547B9BF-E00A-FAB9-68F4-04C281B1F599}"/>
-              </a:ext>
-            </a:extLst>
-          </p:cNvPr>
-          <p:cNvSpPr/>
-          <p:nvPr/>
-        </p:nvSpPr>
-        <p:spPr>
-          <a:xfrm>
-            <a:off x="8153400" y="3263928"/>
-            <a:ext cx="1104900" cy="274451"/>
-          </a:xfrm>
-          <a:prstGeom prst="roundRect">
-            <a:avLst/>
-          </a:prstGeom>
-        </p:spPr>
-        <p:style>
-          <a:lnRef idx="2">
-            <a:schemeClr val="accent1">
-              <a:shade val="15000"/>
-            </a:schemeClr>
-          </a:lnRef>
-          <a:fillRef idx="1">
-            <a:schemeClr val="accent1"/>
-          </a:fillRef>
-          <a:effectRef idx="0">
-            <a:schemeClr val="accent1"/>
-          </a:effectRef>
-          <a:fontRef idx="minor">
-            <a:schemeClr val="lt1"/>
-          </a:fontRef>
-        </p:style>
-        <p:txBody>
-          <a:bodyPr rtlCol="0" anchor="ctr"/>
-          <a:lstStyle/>
-          <a:p>
-            <a:pPr algn="ctr"/>
-            <a:r>
-              <a:rPr lang="en-US" sz="700" dirty="0"/>
-              <a:t>custom 2</a:t>
+              <a:t>Volume Up</a:t>
             </a:r>
           </a:p>
         </p:txBody>
@@ -16352,7 +16254,7 @@
           <a:p>
             <a:r>
               <a:rPr lang="en-US" sz="700" b="1" dirty="0"/>
-              <a:t>GPIO (P2.1)</a:t>
+              <a:t>GPIO (P2.2)</a:t>
             </a:r>
           </a:p>
         </p:txBody>
@@ -16387,7 +16289,7 @@
           <a:p>
             <a:r>
               <a:rPr lang="en-US" sz="700" b="1" dirty="0"/>
-              <a:t>GPIO (P2.2)</a:t>
+              <a:t>GPIO (P2.4)</a:t>
             </a:r>
           </a:p>
         </p:txBody>
@@ -16422,7 +16324,7 @@
           <a:p>
             <a:r>
               <a:rPr lang="en-US" sz="700" b="1" dirty="0"/>
-              <a:t>GPIO (P2.4)</a:t>
+              <a:t>GPIO (P2.6)</a:t>
             </a:r>
           </a:p>
         </p:txBody>
@@ -16457,77 +16359,7 @@
           <a:p>
             <a:r>
               <a:rPr lang="en-US" sz="700" b="1" dirty="0"/>
-              <a:t>GPIO (P2.6)</a:t>
-            </a:r>
-          </a:p>
-        </p:txBody>
-      </p:sp>
-      <p:sp>
-        <p:nvSpPr>
-          <p:cNvPr id="46" name="TextBox 45">
-            <a:extLst>
-              <a:ext uri="{FF2B5EF4-FFF2-40B4-BE49-F238E27FC236}">
-                <a16:creationId xmlns:a16="http://schemas.microsoft.com/office/drawing/2014/main" id="{56058B2F-1A36-B4C4-B712-9F2959CB6C73}"/>
-              </a:ext>
-            </a:extLst>
-          </p:cNvPr>
-          <p:cNvSpPr txBox="1"/>
-          <p:nvPr/>
-        </p:nvSpPr>
-        <p:spPr>
-          <a:xfrm>
-            <a:off x="7048500" y="2966294"/>
-            <a:ext cx="685800" cy="200055"/>
-          </a:xfrm>
-          <a:prstGeom prst="rect">
-            <a:avLst/>
-          </a:prstGeom>
-          <a:noFill/>
-        </p:spPr>
-        <p:txBody>
-          <a:bodyPr wrap="square" rtlCol="0">
-            <a:spAutoFit/>
-          </a:bodyPr>
-          <a:lstStyle/>
-          <a:p>
-            <a:r>
-              <a:rPr lang="en-US" sz="700" b="1" dirty="0"/>
               <a:t>GPIO (P2.8)</a:t>
-            </a:r>
-          </a:p>
-        </p:txBody>
-      </p:sp>
-      <p:sp>
-        <p:nvSpPr>
-          <p:cNvPr id="47" name="TextBox 46">
-            <a:extLst>
-              <a:ext uri="{FF2B5EF4-FFF2-40B4-BE49-F238E27FC236}">
-                <a16:creationId xmlns:a16="http://schemas.microsoft.com/office/drawing/2014/main" id="{FAD37C54-F331-8BEA-7C01-459E77965D46}"/>
-              </a:ext>
-            </a:extLst>
-          </p:cNvPr>
-          <p:cNvSpPr txBox="1"/>
-          <p:nvPr/>
-        </p:nvSpPr>
-        <p:spPr>
-          <a:xfrm>
-            <a:off x="7021830" y="3284280"/>
-            <a:ext cx="838200" cy="200055"/>
-          </a:xfrm>
-          <a:prstGeom prst="rect">
-            <a:avLst/>
-          </a:prstGeom>
-          <a:noFill/>
-        </p:spPr>
-        <p:txBody>
-          <a:bodyPr wrap="square" rtlCol="0">
-            <a:spAutoFit/>
-          </a:bodyPr>
-          <a:lstStyle/>
-          <a:p>
-            <a:r>
-              <a:rPr lang="en-US" sz="700" b="1" dirty="0"/>
-              <a:t>GPIO (P2.10)</a:t>
             </a:r>
           </a:p>
         </p:txBody>
@@ -16812,172 +16644,6 @@
       </p:cxnSp>
       <p:cxnSp>
         <p:nvCxnSpPr>
-          <p:cNvPr id="63" name="Straight Arrow Connector 62">
-            <a:extLst>
-              <a:ext uri="{FF2B5EF4-FFF2-40B4-BE49-F238E27FC236}">
-                <a16:creationId xmlns:a16="http://schemas.microsoft.com/office/drawing/2014/main" id="{53CA9FBD-93ED-8171-B565-CB7E2F4A2A0C}"/>
-              </a:ext>
-            </a:extLst>
-          </p:cNvPr>
-          <p:cNvCxnSpPr/>
-          <p:nvPr/>
-        </p:nvCxnSpPr>
-        <p:spPr>
-          <a:xfrm>
-            <a:off x="7677150" y="3086100"/>
-            <a:ext cx="476250" cy="0"/>
-          </a:xfrm>
-          <a:prstGeom prst="straightConnector1">
-            <a:avLst/>
-          </a:prstGeom>
-          <a:ln>
-            <a:tailEnd type="triangle"/>
-          </a:ln>
-        </p:spPr>
-        <p:style>
-          <a:lnRef idx="1">
-            <a:schemeClr val="dk1"/>
-          </a:lnRef>
-          <a:fillRef idx="0">
-            <a:schemeClr val="dk1"/>
-          </a:fillRef>
-          <a:effectRef idx="0">
-            <a:schemeClr val="dk1"/>
-          </a:effectRef>
-          <a:fontRef idx="minor">
-            <a:schemeClr val="tx1"/>
-          </a:fontRef>
-        </p:style>
-      </p:cxnSp>
-      <p:cxnSp>
-        <p:nvCxnSpPr>
-          <p:cNvPr id="64" name="Straight Arrow Connector 63">
-            <a:extLst>
-              <a:ext uri="{FF2B5EF4-FFF2-40B4-BE49-F238E27FC236}">
-                <a16:creationId xmlns:a16="http://schemas.microsoft.com/office/drawing/2014/main" id="{1B9C8888-DE11-A0F9-E658-977944CD1598}"/>
-              </a:ext>
-            </a:extLst>
-          </p:cNvPr>
-          <p:cNvCxnSpPr/>
-          <p:nvPr/>
-        </p:nvCxnSpPr>
-        <p:spPr>
-          <a:xfrm>
-            <a:off x="7677150" y="3390900"/>
-            <a:ext cx="476250" cy="0"/>
-          </a:xfrm>
-          <a:prstGeom prst="straightConnector1">
-            <a:avLst/>
-          </a:prstGeom>
-          <a:ln>
-            <a:tailEnd type="triangle"/>
-          </a:ln>
-        </p:spPr>
-        <p:style>
-          <a:lnRef idx="1">
-            <a:schemeClr val="dk1"/>
-          </a:lnRef>
-          <a:fillRef idx="0">
-            <a:schemeClr val="dk1"/>
-          </a:fillRef>
-          <a:effectRef idx="0">
-            <a:schemeClr val="dk1"/>
-          </a:effectRef>
-          <a:fontRef idx="minor">
-            <a:schemeClr val="tx1"/>
-          </a:fontRef>
-        </p:style>
-      </p:cxnSp>
-      <p:sp>
-        <p:nvSpPr>
-          <p:cNvPr id="66" name="Rectangle: Rounded Corners 65">
-            <a:extLst>
-              <a:ext uri="{FF2B5EF4-FFF2-40B4-BE49-F238E27FC236}">
-                <a16:creationId xmlns:a16="http://schemas.microsoft.com/office/drawing/2014/main" id="{F2FFDEB6-63A9-5A59-9365-8D8895CAE0C6}"/>
-              </a:ext>
-            </a:extLst>
-          </p:cNvPr>
-          <p:cNvSpPr/>
-          <p:nvPr/>
-        </p:nvSpPr>
-        <p:spPr>
-          <a:xfrm>
-            <a:off x="993649" y="2606402"/>
-            <a:ext cx="1333499" cy="419098"/>
-          </a:xfrm>
-          <a:prstGeom prst="roundRect">
-            <a:avLst/>
-          </a:prstGeom>
-        </p:spPr>
-        <p:style>
-          <a:lnRef idx="2">
-            <a:schemeClr val="accent1">
-              <a:shade val="15000"/>
-            </a:schemeClr>
-          </a:lnRef>
-          <a:fillRef idx="1">
-            <a:schemeClr val="accent1"/>
-          </a:fillRef>
-          <a:effectRef idx="0">
-            <a:schemeClr val="accent1"/>
-          </a:effectRef>
-          <a:fontRef idx="minor">
-            <a:schemeClr val="lt1"/>
-          </a:fontRef>
-        </p:style>
-        <p:txBody>
-          <a:bodyPr rtlCol="0" anchor="ctr"/>
-          <a:lstStyle/>
-          <a:p>
-            <a:pPr algn="ctr"/>
-            <a:r>
-              <a:rPr lang="en-US" sz="1000" dirty="0"/>
-              <a:t>USB with downloaded music</a:t>
-            </a:r>
-          </a:p>
-        </p:txBody>
-      </p:sp>
-      <p:cxnSp>
-        <p:nvCxnSpPr>
-          <p:cNvPr id="71" name="Straight Arrow Connector 70">
-            <a:extLst>
-              <a:ext uri="{FF2B5EF4-FFF2-40B4-BE49-F238E27FC236}">
-                <a16:creationId xmlns:a16="http://schemas.microsoft.com/office/drawing/2014/main" id="{04ED79F3-0497-3FF6-A067-D44690ABACB7}"/>
-              </a:ext>
-            </a:extLst>
-          </p:cNvPr>
-          <p:cNvCxnSpPr/>
-          <p:nvPr/>
-        </p:nvCxnSpPr>
-        <p:spPr>
-          <a:xfrm>
-            <a:off x="2324100" y="2800350"/>
-            <a:ext cx="2160373" cy="15602"/>
-          </a:xfrm>
-          <a:prstGeom prst="straightConnector1">
-            <a:avLst/>
-          </a:prstGeom>
-          <a:ln>
-            <a:tailEnd type="triangle"/>
-          </a:ln>
-        </p:spPr>
-        <p:style>
-          <a:lnRef idx="1">
-            <a:schemeClr val="dk1"/>
-          </a:lnRef>
-          <a:fillRef idx="0">
-            <a:schemeClr val="dk1"/>
-          </a:fillRef>
-          <a:effectRef idx="0">
-            <a:schemeClr val="dk1"/>
-          </a:effectRef>
-          <a:fontRef idx="minor">
-            <a:schemeClr val="tx1"/>
-          </a:fontRef>
-        </p:style>
-      </p:cxnSp>
-      <p:cxnSp>
-        <p:nvCxnSpPr>
           <p:cNvPr id="73" name="Straight Connector 72">
             <a:extLst>
               <a:ext uri="{FF2B5EF4-FFF2-40B4-BE49-F238E27FC236}">
@@ -17049,10 +16715,59 @@
       </p:sp>
       <p:sp>
         <p:nvSpPr>
-          <p:cNvPr id="2" name="TextBox 1">
+          <p:cNvPr id="3" name="Rectangle: Rounded Corners 2">
             <a:extLst>
               <a:ext uri="{FF2B5EF4-FFF2-40B4-BE49-F238E27FC236}">
-                <a16:creationId xmlns:a16="http://schemas.microsoft.com/office/drawing/2014/main" id="{5A34B98C-59D5-0B58-DCB5-7B8DDAB8012D}"/>
+                <a16:creationId xmlns:a16="http://schemas.microsoft.com/office/drawing/2014/main" id="{E816B3F7-722E-54E3-B916-C2BA4D96909F}"/>
+              </a:ext>
+            </a:extLst>
+          </p:cNvPr>
+          <p:cNvSpPr/>
+          <p:nvPr/>
+        </p:nvSpPr>
+        <p:spPr>
+          <a:xfrm>
+            <a:off x="8153400" y="2973512"/>
+            <a:ext cx="1104900" cy="274451"/>
+          </a:xfrm>
+          <a:prstGeom prst="roundRect">
+            <a:avLst/>
+          </a:prstGeom>
+        </p:spPr>
+        <p:style>
+          <a:lnRef idx="2">
+            <a:schemeClr val="accent1">
+              <a:shade val="15000"/>
+            </a:schemeClr>
+          </a:lnRef>
+          <a:fillRef idx="1">
+            <a:schemeClr val="accent1"/>
+          </a:fillRef>
+          <a:effectRef idx="0">
+            <a:schemeClr val="accent1"/>
+          </a:effectRef>
+          <a:fontRef idx="minor">
+            <a:schemeClr val="lt1"/>
+          </a:fontRef>
+        </p:style>
+        <p:txBody>
+          <a:bodyPr rtlCol="0" anchor="ctr"/>
+          <a:lstStyle/>
+          <a:p>
+            <a:pPr algn="ctr"/>
+            <a:r>
+              <a:rPr lang="en-US" sz="700" dirty="0"/>
+              <a:t>Volume Down</a:t>
+            </a:r>
+          </a:p>
+        </p:txBody>
+      </p:sp>
+      <p:sp>
+        <p:nvSpPr>
+          <p:cNvPr id="6" name="TextBox 5">
+            <a:extLst>
+              <a:ext uri="{FF2B5EF4-FFF2-40B4-BE49-F238E27FC236}">
+                <a16:creationId xmlns:a16="http://schemas.microsoft.com/office/drawing/2014/main" id="{A0934B70-3F76-1BCE-9ACD-180CE8D34B70}"/>
               </a:ext>
             </a:extLst>
           </p:cNvPr>
@@ -17061,8 +16776,8 @@
         </p:nvSpPr>
         <p:spPr>
           <a:xfrm>
-            <a:off x="4495798" y="2717801"/>
-            <a:ext cx="1409702" cy="200055"/>
+            <a:off x="6972300" y="3021152"/>
+            <a:ext cx="762000" cy="200055"/>
           </a:xfrm>
           <a:prstGeom prst="rect">
             <a:avLst/>
@@ -17077,11 +16792,50 @@
           <a:p>
             <a:r>
               <a:rPr lang="en-US" sz="700" b="1" dirty="0"/>
-              <a:t>USB Port (On BELA mini)</a:t>
+              <a:t>GPIO (P2.10)</a:t>
             </a:r>
           </a:p>
         </p:txBody>
       </p:sp>
+      <p:cxnSp>
+        <p:nvCxnSpPr>
+          <p:cNvPr id="7" name="Straight Arrow Connector 6">
+            <a:extLst>
+              <a:ext uri="{FF2B5EF4-FFF2-40B4-BE49-F238E27FC236}">
+                <a16:creationId xmlns:a16="http://schemas.microsoft.com/office/drawing/2014/main" id="{80A65ED1-DB27-12CF-B686-436FC93198DB}"/>
+              </a:ext>
+            </a:extLst>
+          </p:cNvPr>
+          <p:cNvCxnSpPr/>
+          <p:nvPr/>
+        </p:nvCxnSpPr>
+        <p:spPr>
+          <a:xfrm>
+            <a:off x="7677150" y="3086528"/>
+            <a:ext cx="476250" cy="0"/>
+          </a:xfrm>
+          <a:prstGeom prst="straightConnector1">
+            <a:avLst/>
+          </a:prstGeom>
+          <a:ln>
+            <a:tailEnd type="triangle"/>
+          </a:ln>
+        </p:spPr>
+        <p:style>
+          <a:lnRef idx="1">
+            <a:schemeClr val="dk1"/>
+          </a:lnRef>
+          <a:fillRef idx="0">
+            <a:schemeClr val="dk1"/>
+          </a:fillRef>
+          <a:effectRef idx="0">
+            <a:schemeClr val="dk1"/>
+          </a:effectRef>
+          <a:fontRef idx="minor">
+            <a:schemeClr val="tx1"/>
+          </a:fontRef>
+        </p:style>
+      </p:cxnSp>
     </p:spTree>
     <p:extLst>
       <p:ext uri="{BB962C8B-B14F-4D97-AF65-F5344CB8AC3E}">
@@ -17681,55 +17435,6 @@
       </p:sp>
       <p:sp>
         <p:nvSpPr>
-          <p:cNvPr id="22" name="Rectangle: Rounded Corners 21">
-            <a:extLst>
-              <a:ext uri="{FF2B5EF4-FFF2-40B4-BE49-F238E27FC236}">
-                <a16:creationId xmlns:a16="http://schemas.microsoft.com/office/drawing/2014/main" id="{AB1A5F40-2454-AB9D-2D4F-C6A19150D46A}"/>
-              </a:ext>
-            </a:extLst>
-          </p:cNvPr>
-          <p:cNvSpPr/>
-          <p:nvPr/>
-        </p:nvSpPr>
-        <p:spPr>
-          <a:xfrm>
-            <a:off x="8153400" y="3263928"/>
-            <a:ext cx="1104900" cy="274451"/>
-          </a:xfrm>
-          <a:prstGeom prst="roundRect">
-            <a:avLst/>
-          </a:prstGeom>
-        </p:spPr>
-        <p:style>
-          <a:lnRef idx="2">
-            <a:schemeClr val="accent1">
-              <a:shade val="15000"/>
-            </a:schemeClr>
-          </a:lnRef>
-          <a:fillRef idx="1">
-            <a:schemeClr val="accent1"/>
-          </a:fillRef>
-          <a:effectRef idx="0">
-            <a:schemeClr val="accent1"/>
-          </a:effectRef>
-          <a:fontRef idx="minor">
-            <a:schemeClr val="lt1"/>
-          </a:fontRef>
-        </p:style>
-        <p:txBody>
-          <a:bodyPr rtlCol="0" anchor="ctr"/>
-          <a:lstStyle/>
-          <a:p>
-            <a:pPr algn="ctr"/>
-            <a:r>
-              <a:rPr lang="en-US" sz="800" dirty="0"/>
-              <a:t>custom 2</a:t>
-            </a:r>
-          </a:p>
-        </p:txBody>
-      </p:sp>
-      <p:sp>
-        <p:nvSpPr>
           <p:cNvPr id="29" name="TextBox 28">
             <a:extLst>
               <a:ext uri="{FF2B5EF4-FFF2-40B4-BE49-F238E27FC236}">
@@ -17758,7 +17463,7 @@
           <a:p>
             <a:r>
               <a:rPr lang="en-US" sz="700" b="1" dirty="0"/>
-              <a:t>3.3 V GPIO (P2.1)</a:t>
+              <a:t>3.3 V GPIO (P2.2)</a:t>
             </a:r>
           </a:p>
         </p:txBody>
@@ -17793,7 +17498,7 @@
           <a:p>
             <a:r>
               <a:rPr lang="en-US" sz="700" b="1" dirty="0"/>
-              <a:t>3.3 V GPIO (P2.2)</a:t>
+              <a:t>3.3 V GPIO (P2.4)</a:t>
             </a:r>
           </a:p>
         </p:txBody>
@@ -17828,7 +17533,7 @@
           <a:p>
             <a:r>
               <a:rPr lang="en-US" sz="700" b="1" dirty="0"/>
-              <a:t>3.3 V GPIO (P2.4)</a:t>
+              <a:t>3.3 V GPIO (P2.6)</a:t>
             </a:r>
           </a:p>
         </p:txBody>
@@ -17863,7 +17568,7 @@
           <a:p>
             <a:r>
               <a:rPr lang="en-US" sz="700" b="1" dirty="0"/>
-              <a:t>3.3  V GPIO (P2.6)</a:t>
+              <a:t>3.3  V GPIO (P2.8)</a:t>
             </a:r>
           </a:p>
         </p:txBody>
@@ -17882,43 +17587,8 @@
         </p:nvSpPr>
         <p:spPr>
           <a:xfrm>
-            <a:off x="6789420" y="2966294"/>
-            <a:ext cx="944880" cy="200055"/>
-          </a:xfrm>
-          <a:prstGeom prst="rect">
-            <a:avLst/>
-          </a:prstGeom>
-          <a:noFill/>
-        </p:spPr>
-        <p:txBody>
-          <a:bodyPr wrap="square" rtlCol="0">
-            <a:spAutoFit/>
-          </a:bodyPr>
-          <a:lstStyle/>
-          <a:p>
-            <a:r>
-              <a:rPr lang="en-US" sz="700" b="1" dirty="0"/>
-              <a:t>3.3 V GPIO (P2.8)</a:t>
-            </a:r>
-          </a:p>
-        </p:txBody>
-      </p:sp>
-      <p:sp>
-        <p:nvSpPr>
-          <p:cNvPr id="34" name="TextBox 33">
-            <a:extLst>
-              <a:ext uri="{FF2B5EF4-FFF2-40B4-BE49-F238E27FC236}">
-                <a16:creationId xmlns:a16="http://schemas.microsoft.com/office/drawing/2014/main" id="{1CFAB10A-DE73-2F2A-D14D-F4176190FC61}"/>
-              </a:ext>
-            </a:extLst>
-          </p:cNvPr>
-          <p:cNvSpPr txBox="1"/>
-          <p:nvPr/>
-        </p:nvSpPr>
-        <p:spPr>
-          <a:xfrm>
-            <a:off x="6781800" y="3284280"/>
-            <a:ext cx="1078230" cy="200055"/>
+            <a:off x="6742430" y="2966294"/>
+            <a:ext cx="991870" cy="200055"/>
           </a:xfrm>
           <a:prstGeom prst="rect">
             <a:avLst/>
@@ -18015,41 +17685,6 @@
       </p:sp>
       <p:sp>
         <p:nvSpPr>
-          <p:cNvPr id="39" name="TextBox 38">
-            <a:extLst>
-              <a:ext uri="{FF2B5EF4-FFF2-40B4-BE49-F238E27FC236}">
-                <a16:creationId xmlns:a16="http://schemas.microsoft.com/office/drawing/2014/main" id="{6D961087-E49E-28C2-D7EB-C3732966FCD1}"/>
-              </a:ext>
-            </a:extLst>
-          </p:cNvPr>
-          <p:cNvSpPr txBox="1"/>
-          <p:nvPr/>
-        </p:nvSpPr>
-        <p:spPr>
-          <a:xfrm>
-            <a:off x="4484472" y="2715924"/>
-            <a:ext cx="1363877" cy="200055"/>
-          </a:xfrm>
-          <a:prstGeom prst="rect">
-            <a:avLst/>
-          </a:prstGeom>
-          <a:noFill/>
-        </p:spPr>
-        <p:txBody>
-          <a:bodyPr wrap="square" rtlCol="0">
-            <a:spAutoFit/>
-          </a:bodyPr>
-          <a:lstStyle/>
-          <a:p>
-            <a:r>
-              <a:rPr lang="en-US" sz="700" b="1" dirty="0"/>
-              <a:t>USB Port (BELA Mini)</a:t>
-            </a:r>
-          </a:p>
-        </p:txBody>
-      </p:sp>
-      <p:sp>
-        <p:nvSpPr>
           <p:cNvPr id="48" name="Right Brace 47">
             <a:extLst>
               <a:ext uri="{FF2B5EF4-FFF2-40B4-BE49-F238E27FC236}">
@@ -18063,7 +17698,7 @@
         <p:spPr>
           <a:xfrm>
             <a:off x="9486900" y="1665100"/>
-            <a:ext cx="247650" cy="1916300"/>
+            <a:ext cx="247650" cy="1687700"/>
           </a:xfrm>
           <a:prstGeom prst="rightBrace">
             <a:avLst/>
@@ -18123,96 +17758,6 @@
             <a:r>
               <a:rPr lang="en-US" sz="700" b="1" dirty="0"/>
               <a:t>&lt;6 mA</a:t>
-            </a:r>
-          </a:p>
-        </p:txBody>
-      </p:sp>
-      <p:sp>
-        <p:nvSpPr>
-          <p:cNvPr id="50" name="Rectangle: Rounded Corners 49">
-            <a:extLst>
-              <a:ext uri="{FF2B5EF4-FFF2-40B4-BE49-F238E27FC236}">
-                <a16:creationId xmlns:a16="http://schemas.microsoft.com/office/drawing/2014/main" id="{2F362D48-2417-EB35-AF7A-FE350B117746}"/>
-              </a:ext>
-            </a:extLst>
-          </p:cNvPr>
-          <p:cNvSpPr/>
-          <p:nvPr/>
-        </p:nvSpPr>
-        <p:spPr>
-          <a:xfrm>
-            <a:off x="984251" y="2620966"/>
-            <a:ext cx="1333499" cy="419098"/>
-          </a:xfrm>
-          <a:prstGeom prst="roundRect">
-            <a:avLst/>
-          </a:prstGeom>
-        </p:spPr>
-        <p:style>
-          <a:lnRef idx="2">
-            <a:schemeClr val="accent1">
-              <a:shade val="15000"/>
-            </a:schemeClr>
-          </a:lnRef>
-          <a:fillRef idx="1">
-            <a:schemeClr val="accent1"/>
-          </a:fillRef>
-          <a:effectRef idx="0">
-            <a:schemeClr val="accent1"/>
-          </a:effectRef>
-          <a:fontRef idx="minor">
-            <a:schemeClr val="lt1"/>
-          </a:fontRef>
-        </p:style>
-        <p:txBody>
-          <a:bodyPr rtlCol="0" anchor="ctr"/>
-          <a:lstStyle/>
-          <a:p>
-            <a:pPr algn="ctr"/>
-            <a:r>
-              <a:rPr lang="en-US" sz="1000" dirty="0"/>
-              <a:t>USB with downloaded music</a:t>
-            </a:r>
-          </a:p>
-        </p:txBody>
-      </p:sp>
-      <p:sp>
-        <p:nvSpPr>
-          <p:cNvPr id="55" name="TextBox 54">
-            <a:extLst>
-              <a:ext uri="{FF2B5EF4-FFF2-40B4-BE49-F238E27FC236}">
-                <a16:creationId xmlns:a16="http://schemas.microsoft.com/office/drawing/2014/main" id="{155B099A-C1F7-2826-8F3A-BA6F8491CDDF}"/>
-              </a:ext>
-            </a:extLst>
-          </p:cNvPr>
-          <p:cNvSpPr txBox="1"/>
-          <p:nvPr/>
-        </p:nvSpPr>
-        <p:spPr>
-          <a:xfrm>
-            <a:off x="2887218" y="2500374"/>
-            <a:ext cx="704850" cy="307777"/>
-          </a:xfrm>
-          <a:prstGeom prst="rect">
-            <a:avLst/>
-          </a:prstGeom>
-          <a:noFill/>
-        </p:spPr>
-        <p:txBody>
-          <a:bodyPr wrap="square" rtlCol="0">
-            <a:spAutoFit/>
-          </a:bodyPr>
-          <a:lstStyle/>
-          <a:p>
-            <a:r>
-              <a:rPr lang="en-US" sz="700" b="1" dirty="0"/>
-              <a:t>5 V</a:t>
-            </a:r>
-          </a:p>
-          <a:p>
-            <a:r>
-              <a:rPr lang="en-US" sz="700" b="1" dirty="0"/>
-              <a:t>350 mA</a:t>
             </a:r>
           </a:p>
         </p:txBody>
@@ -18591,90 +18136,6 @@
       </p:cxnSp>
       <p:cxnSp>
         <p:nvCxnSpPr>
-          <p:cNvPr id="77" name="Straight Arrow Connector 76">
-            <a:extLst>
-              <a:ext uri="{FF2B5EF4-FFF2-40B4-BE49-F238E27FC236}">
-                <a16:creationId xmlns:a16="http://schemas.microsoft.com/office/drawing/2014/main" id="{0298C9C4-9102-BC18-CB70-02E7965ECDA0}"/>
-              </a:ext>
-            </a:extLst>
-          </p:cNvPr>
-          <p:cNvCxnSpPr/>
-          <p:nvPr/>
-        </p:nvCxnSpPr>
-        <p:spPr>
-          <a:xfrm>
-            <a:off x="7682865" y="3401153"/>
-            <a:ext cx="476250" cy="0"/>
-          </a:xfrm>
-          <a:prstGeom prst="straightConnector1">
-            <a:avLst/>
-          </a:prstGeom>
-          <a:ln>
-            <a:solidFill>
-              <a:srgbClr val="FF0000"/>
-            </a:solidFill>
-            <a:tailEnd type="triangle"/>
-          </a:ln>
-        </p:spPr>
-        <p:style>
-          <a:lnRef idx="1">
-            <a:schemeClr val="accent1"/>
-          </a:lnRef>
-          <a:fillRef idx="0">
-            <a:schemeClr val="accent1"/>
-          </a:fillRef>
-          <a:effectRef idx="0">
-            <a:schemeClr val="accent1"/>
-          </a:effectRef>
-          <a:fontRef idx="minor">
-            <a:schemeClr val="tx1"/>
-          </a:fontRef>
-        </p:style>
-      </p:cxnSp>
-      <p:cxnSp>
-        <p:nvCxnSpPr>
-          <p:cNvPr id="81" name="Straight Arrow Connector 80">
-            <a:extLst>
-              <a:ext uri="{FF2B5EF4-FFF2-40B4-BE49-F238E27FC236}">
-                <a16:creationId xmlns:a16="http://schemas.microsoft.com/office/drawing/2014/main" id="{26B82E41-6A50-0FF3-2BED-6913203B2503}"/>
-              </a:ext>
-            </a:extLst>
-          </p:cNvPr>
-          <p:cNvCxnSpPr>
-            <a:cxnSpLocks/>
-            <a:endCxn id="39" idx="1"/>
-          </p:cNvCxnSpPr>
-          <p:nvPr/>
-        </p:nvCxnSpPr>
-        <p:spPr>
-          <a:xfrm>
-            <a:off x="2324100" y="2800350"/>
-            <a:ext cx="2160372" cy="15602"/>
-          </a:xfrm>
-          <a:prstGeom prst="straightConnector1">
-            <a:avLst/>
-          </a:prstGeom>
-          <a:ln>
-            <a:tailEnd type="triangle"/>
-          </a:ln>
-        </p:spPr>
-        <p:style>
-          <a:lnRef idx="1">
-            <a:schemeClr val="dk1"/>
-          </a:lnRef>
-          <a:fillRef idx="0">
-            <a:schemeClr val="dk1"/>
-          </a:fillRef>
-          <a:effectRef idx="0">
-            <a:schemeClr val="dk1"/>
-          </a:effectRef>
-          <a:fontRef idx="minor">
-            <a:schemeClr val="tx1"/>
-          </a:fontRef>
-        </p:style>
-      </p:cxnSp>
-      <p:cxnSp>
-        <p:nvCxnSpPr>
           <p:cNvPr id="83" name="Straight Connector 82">
             <a:extLst>
               <a:ext uri="{FF2B5EF4-FFF2-40B4-BE49-F238E27FC236}">
@@ -18740,6 +18201,251 @@
             <a:r>
               <a:rPr lang="en-US" dirty="0"/>
               <a:t>Bela mini</a:t>
+            </a:r>
+          </a:p>
+        </p:txBody>
+      </p:sp>
+      <p:sp>
+        <p:nvSpPr>
+          <p:cNvPr id="2" name="Rectangle: Rounded Corners 1">
+            <a:extLst>
+              <a:ext uri="{FF2B5EF4-FFF2-40B4-BE49-F238E27FC236}">
+                <a16:creationId xmlns:a16="http://schemas.microsoft.com/office/drawing/2014/main" id="{68907C5A-62D2-9B8C-4D94-DB556E6B2A37}"/>
+              </a:ext>
+            </a:extLst>
+          </p:cNvPr>
+          <p:cNvSpPr/>
+          <p:nvPr/>
+        </p:nvSpPr>
+        <p:spPr>
+          <a:xfrm>
+            <a:off x="8153400" y="1752600"/>
+            <a:ext cx="1104900" cy="274451"/>
+          </a:xfrm>
+          <a:prstGeom prst="roundRect">
+            <a:avLst/>
+          </a:prstGeom>
+        </p:spPr>
+        <p:style>
+          <a:lnRef idx="2">
+            <a:schemeClr val="accent1">
+              <a:shade val="15000"/>
+            </a:schemeClr>
+          </a:lnRef>
+          <a:fillRef idx="1">
+            <a:schemeClr val="accent1"/>
+          </a:fillRef>
+          <a:effectRef idx="0">
+            <a:schemeClr val="accent1"/>
+          </a:effectRef>
+          <a:fontRef idx="minor">
+            <a:schemeClr val="lt1"/>
+          </a:fontRef>
+        </p:style>
+        <p:txBody>
+          <a:bodyPr rtlCol="0" anchor="ctr"/>
+          <a:lstStyle/>
+          <a:p>
+            <a:pPr algn="ctr"/>
+            <a:r>
+              <a:rPr lang="en-US" sz="700" dirty="0"/>
+              <a:t>Play/pause</a:t>
+            </a:r>
+          </a:p>
+        </p:txBody>
+      </p:sp>
+      <p:sp>
+        <p:nvSpPr>
+          <p:cNvPr id="3" name="Rectangle: Rounded Corners 2">
+            <a:extLst>
+              <a:ext uri="{FF2B5EF4-FFF2-40B4-BE49-F238E27FC236}">
+                <a16:creationId xmlns:a16="http://schemas.microsoft.com/office/drawing/2014/main" id="{56D3E117-E6A9-6A8B-3636-0B50A92CA92A}"/>
+              </a:ext>
+            </a:extLst>
+          </p:cNvPr>
+          <p:cNvSpPr/>
+          <p:nvPr/>
+        </p:nvSpPr>
+        <p:spPr>
+          <a:xfrm>
+            <a:off x="8153400" y="2057828"/>
+            <a:ext cx="1104900" cy="274451"/>
+          </a:xfrm>
+          <a:prstGeom prst="roundRect">
+            <a:avLst/>
+          </a:prstGeom>
+        </p:spPr>
+        <p:style>
+          <a:lnRef idx="2">
+            <a:schemeClr val="accent1">
+              <a:shade val="15000"/>
+            </a:schemeClr>
+          </a:lnRef>
+          <a:fillRef idx="1">
+            <a:schemeClr val="accent1"/>
+          </a:fillRef>
+          <a:effectRef idx="0">
+            <a:schemeClr val="accent1"/>
+          </a:effectRef>
+          <a:fontRef idx="minor">
+            <a:schemeClr val="lt1"/>
+          </a:fontRef>
+        </p:style>
+        <p:txBody>
+          <a:bodyPr rtlCol="0" anchor="ctr"/>
+          <a:lstStyle/>
+          <a:p>
+            <a:pPr algn="ctr"/>
+            <a:r>
+              <a:rPr lang="en-US" sz="700" dirty="0"/>
+              <a:t>Next song</a:t>
+            </a:r>
+          </a:p>
+        </p:txBody>
+      </p:sp>
+      <p:sp>
+        <p:nvSpPr>
+          <p:cNvPr id="6" name="Rectangle: Rounded Corners 5">
+            <a:extLst>
+              <a:ext uri="{FF2B5EF4-FFF2-40B4-BE49-F238E27FC236}">
+                <a16:creationId xmlns:a16="http://schemas.microsoft.com/office/drawing/2014/main" id="{9CF94159-2F3A-35DA-DFB2-184CFC26135F}"/>
+              </a:ext>
+            </a:extLst>
+          </p:cNvPr>
+          <p:cNvSpPr/>
+          <p:nvPr/>
+        </p:nvSpPr>
+        <p:spPr>
+          <a:xfrm>
+            <a:off x="8153400" y="2363056"/>
+            <a:ext cx="1104900" cy="274451"/>
+          </a:xfrm>
+          <a:prstGeom prst="roundRect">
+            <a:avLst/>
+          </a:prstGeom>
+        </p:spPr>
+        <p:style>
+          <a:lnRef idx="2">
+            <a:schemeClr val="accent1">
+              <a:shade val="15000"/>
+            </a:schemeClr>
+          </a:lnRef>
+          <a:fillRef idx="1">
+            <a:schemeClr val="accent1"/>
+          </a:fillRef>
+          <a:effectRef idx="0">
+            <a:schemeClr val="accent1"/>
+          </a:effectRef>
+          <a:fontRef idx="minor">
+            <a:schemeClr val="lt1"/>
+          </a:fontRef>
+        </p:style>
+        <p:txBody>
+          <a:bodyPr rtlCol="0" anchor="ctr"/>
+          <a:lstStyle/>
+          <a:p>
+            <a:pPr algn="ctr"/>
+            <a:r>
+              <a:rPr lang="en-US" sz="700" dirty="0"/>
+              <a:t>Previous Song</a:t>
+            </a:r>
+          </a:p>
+        </p:txBody>
+      </p:sp>
+      <p:sp>
+        <p:nvSpPr>
+          <p:cNvPr id="9" name="Rectangle: Rounded Corners 8">
+            <a:extLst>
+              <a:ext uri="{FF2B5EF4-FFF2-40B4-BE49-F238E27FC236}">
+                <a16:creationId xmlns:a16="http://schemas.microsoft.com/office/drawing/2014/main" id="{7E512AFB-AC4D-4946-DF01-004C3DBA3BB6}"/>
+              </a:ext>
+            </a:extLst>
+          </p:cNvPr>
+          <p:cNvSpPr/>
+          <p:nvPr/>
+        </p:nvSpPr>
+        <p:spPr>
+          <a:xfrm>
+            <a:off x="8153400" y="2668284"/>
+            <a:ext cx="1104900" cy="274451"/>
+          </a:xfrm>
+          <a:prstGeom prst="roundRect">
+            <a:avLst/>
+          </a:prstGeom>
+        </p:spPr>
+        <p:style>
+          <a:lnRef idx="2">
+            <a:schemeClr val="accent1">
+              <a:shade val="15000"/>
+            </a:schemeClr>
+          </a:lnRef>
+          <a:fillRef idx="1">
+            <a:schemeClr val="accent1"/>
+          </a:fillRef>
+          <a:effectRef idx="0">
+            <a:schemeClr val="accent1"/>
+          </a:effectRef>
+          <a:fontRef idx="minor">
+            <a:schemeClr val="lt1"/>
+          </a:fontRef>
+        </p:style>
+        <p:txBody>
+          <a:bodyPr rtlCol="0" anchor="ctr"/>
+          <a:lstStyle/>
+          <a:p>
+            <a:pPr algn="ctr"/>
+            <a:r>
+              <a:rPr lang="en-US" sz="700" dirty="0"/>
+              <a:t>Volume Up</a:t>
+            </a:r>
+          </a:p>
+        </p:txBody>
+      </p:sp>
+      <p:sp>
+        <p:nvSpPr>
+          <p:cNvPr id="11" name="Rectangle: Rounded Corners 10">
+            <a:extLst>
+              <a:ext uri="{FF2B5EF4-FFF2-40B4-BE49-F238E27FC236}">
+                <a16:creationId xmlns:a16="http://schemas.microsoft.com/office/drawing/2014/main" id="{D624A0DA-5628-103D-F2D9-337766203DE3}"/>
+              </a:ext>
+            </a:extLst>
+          </p:cNvPr>
+          <p:cNvSpPr/>
+          <p:nvPr/>
+        </p:nvSpPr>
+        <p:spPr>
+          <a:xfrm>
+            <a:off x="8153400" y="2973512"/>
+            <a:ext cx="1104900" cy="274451"/>
+          </a:xfrm>
+          <a:prstGeom prst="roundRect">
+            <a:avLst/>
+          </a:prstGeom>
+        </p:spPr>
+        <p:style>
+          <a:lnRef idx="2">
+            <a:schemeClr val="accent1">
+              <a:shade val="15000"/>
+            </a:schemeClr>
+          </a:lnRef>
+          <a:fillRef idx="1">
+            <a:schemeClr val="accent1"/>
+          </a:fillRef>
+          <a:effectRef idx="0">
+            <a:schemeClr val="accent1"/>
+          </a:effectRef>
+          <a:fontRef idx="minor">
+            <a:schemeClr val="lt1"/>
+          </a:fontRef>
+        </p:style>
+        <p:txBody>
+          <a:bodyPr rtlCol="0" anchor="ctr"/>
+          <a:lstStyle/>
+          <a:p>
+            <a:pPr algn="ctr"/>
+            <a:r>
+              <a:rPr lang="en-US" sz="700" dirty="0"/>
+              <a:t>Volume Down</a:t>
             </a:r>
           </a:p>
         </p:txBody>
